--- a/day1/slides/02_SSH-connection_and_file-transfers.pptx
+++ b/day1/slides/02_SSH-connection_and_file-transfers.pptx
@@ -6733,7 +6733,7 @@
                 <a:cs typeface="Calibri"/>
                 <a:sym typeface="Calibri"/>
               </a:rPr>
-              <a:t>Leskosec</a:t>
+              <a:t>Leskosek</a:t>
             </a:r>
             <a:r>
               <a:rPr lang="en-US" sz="2400" b="0" i="1" u="none" strike="noStrike" cap="none" dirty="0" smtClean="0">
@@ -7882,15 +7882,7 @@
                   <a:srgbClr val="2F5897"/>
                 </a:solidFill>
               </a:rPr>
-              <a:t>Click ‘Edit -&gt; Settings</a:t>
-            </a:r>
-            <a:r>
-              <a:rPr lang="en-US" sz="2000" dirty="0" smtClean="0">
-                <a:solidFill>
-                  <a:srgbClr val="2F5897"/>
-                </a:solidFill>
-              </a:rPr>
-              <a:t>’</a:t>
+              <a:t>Click ‘Edit -&gt; Settings’</a:t>
             </a:r>
           </a:p>
           <a:p>
@@ -10066,15 +10058,7 @@
                   <a:srgbClr val="FF9900"/>
                 </a:solidFill>
               </a:rPr>
-              <a:t> </a:t>
-            </a:r>
-            <a:r>
-              <a:rPr lang="en-US" b="1" dirty="0" smtClean="0">
-                <a:solidFill>
-                  <a:srgbClr val="FF9900"/>
-                </a:solidFill>
-              </a:rPr>
-              <a:t>connection</a:t>
+              <a:t> connection</a:t>
             </a:r>
             <a:endParaRPr lang="en-US" b="1" dirty="0">
               <a:solidFill>
@@ -10816,11 +10800,6 @@
               </a:rPr>
               <a:t> gen (Key Generator)</a:t>
             </a:r>
-            <a:endParaRPr lang="en-US" sz="2000" dirty="0" smtClean="0">
-              <a:solidFill>
-                <a:srgbClr val="2F5897"/>
-              </a:solidFill>
-            </a:endParaRPr>
           </a:p>
           <a:p>
             <a:pPr marL="387350" lvl="0" indent="-457200">
@@ -10878,11 +10857,6 @@
               </a:rPr>
               <a:t>(Choose All Files *.* option)</a:t>
             </a:r>
-            <a:endParaRPr lang="en-US" sz="2000" dirty="0" smtClean="0">
-              <a:solidFill>
-                <a:srgbClr val="2F5897"/>
-              </a:solidFill>
-            </a:endParaRPr>
           </a:p>
           <a:p>
             <a:pPr marL="387350" lvl="0" indent="-457200">
@@ -11023,11 +10997,6 @@
               </a:rPr>
               <a:t> and FileZilla</a:t>
             </a:r>
-            <a:endParaRPr lang="en-US" sz="2000" dirty="0" smtClean="0">
-              <a:solidFill>
-                <a:srgbClr val="2F5897"/>
-              </a:solidFill>
-            </a:endParaRPr>
           </a:p>
           <a:p>
             <a:pPr marL="387350" lvl="0" indent="-457200">
@@ -11679,21 +11648,8 @@
                   <a:srgbClr val="2F5897"/>
                 </a:solidFill>
               </a:rPr>
-              <a:t>Click </a:t>
+              <a:t>Click “Open”</a:t>
             </a:r>
-            <a:r>
-              <a:rPr lang="en-US" sz="2000" dirty="0" smtClean="0">
-                <a:solidFill>
-                  <a:srgbClr val="2F5897"/>
-                </a:solidFill>
-              </a:rPr>
-              <a:t>“Open”</a:t>
-            </a:r>
-            <a:endParaRPr lang="en-US" sz="2000" dirty="0" smtClean="0">
-              <a:solidFill>
-                <a:srgbClr val="2F5897"/>
-              </a:solidFill>
-            </a:endParaRPr>
           </a:p>
           <a:p>
             <a:pPr marL="387350" lvl="0" indent="-457200">
